--- a/Writing/Thesis_Figures/Select_SS_compositions.pptx
+++ b/Writing/Thesis_Figures/Select_SS_compositions.pptx
@@ -104,6 +104,11 @@
       </a:defRPr>
     </a:lvl9pPr>
   </p:defaultTextStyle>
+  <p:extLst>
+    <p:ext uri="{EFAFB233-063F-42B5-8137-9DF3F51BA10A}">
+      <p15:sldGuideLst xmlns:p15="http://schemas.microsoft.com/office/powerpoint/2012/main"/>
+    </p:ext>
+  </p:extLst>
 </p:presentation>
 </file>
 
@@ -238,7 +243,7 @@
           <a:p>
             <a:fld id="{CC055918-652B-574A-8F65-A77BE4C837AD}" type="datetimeFigureOut">
               <a:rPr lang="da-DK" smtClean="0"/>
-              <a:t>26.10.2023</a:t>
+              <a:t>27.10.2023</a:t>
             </a:fld>
             <a:endParaRPr lang="da-DK"/>
           </a:p>
@@ -408,7 +413,7 @@
           <a:p>
             <a:fld id="{CC055918-652B-574A-8F65-A77BE4C837AD}" type="datetimeFigureOut">
               <a:rPr lang="da-DK" smtClean="0"/>
-              <a:t>26.10.2023</a:t>
+              <a:t>27.10.2023</a:t>
             </a:fld>
             <a:endParaRPr lang="da-DK"/>
           </a:p>
@@ -588,7 +593,7 @@
           <a:p>
             <a:fld id="{CC055918-652B-574A-8F65-A77BE4C837AD}" type="datetimeFigureOut">
               <a:rPr lang="da-DK" smtClean="0"/>
-              <a:t>26.10.2023</a:t>
+              <a:t>27.10.2023</a:t>
             </a:fld>
             <a:endParaRPr lang="da-DK"/>
           </a:p>
@@ -758,7 +763,7 @@
           <a:p>
             <a:fld id="{CC055918-652B-574A-8F65-A77BE4C837AD}" type="datetimeFigureOut">
               <a:rPr lang="da-DK" smtClean="0"/>
-              <a:t>26.10.2023</a:t>
+              <a:t>27.10.2023</a:t>
             </a:fld>
             <a:endParaRPr lang="da-DK"/>
           </a:p>
@@ -1002,7 +1007,7 @@
           <a:p>
             <a:fld id="{CC055918-652B-574A-8F65-A77BE4C837AD}" type="datetimeFigureOut">
               <a:rPr lang="da-DK" smtClean="0"/>
-              <a:t>26.10.2023</a:t>
+              <a:t>27.10.2023</a:t>
             </a:fld>
             <a:endParaRPr lang="da-DK"/>
           </a:p>
@@ -1234,7 +1239,7 @@
           <a:p>
             <a:fld id="{CC055918-652B-574A-8F65-A77BE4C837AD}" type="datetimeFigureOut">
               <a:rPr lang="da-DK" smtClean="0"/>
-              <a:t>26.10.2023</a:t>
+              <a:t>27.10.2023</a:t>
             </a:fld>
             <a:endParaRPr lang="da-DK"/>
           </a:p>
@@ -1601,7 +1606,7 @@
           <a:p>
             <a:fld id="{CC055918-652B-574A-8F65-A77BE4C837AD}" type="datetimeFigureOut">
               <a:rPr lang="da-DK" smtClean="0"/>
-              <a:t>26.10.2023</a:t>
+              <a:t>27.10.2023</a:t>
             </a:fld>
             <a:endParaRPr lang="da-DK"/>
           </a:p>
@@ -1719,7 +1724,7 @@
           <a:p>
             <a:fld id="{CC055918-652B-574A-8F65-A77BE4C837AD}" type="datetimeFigureOut">
               <a:rPr lang="da-DK" smtClean="0"/>
-              <a:t>26.10.2023</a:t>
+              <a:t>27.10.2023</a:t>
             </a:fld>
             <a:endParaRPr lang="da-DK"/>
           </a:p>
@@ -1814,7 +1819,7 @@
           <a:p>
             <a:fld id="{CC055918-652B-574A-8F65-A77BE4C837AD}" type="datetimeFigureOut">
               <a:rPr lang="da-DK" smtClean="0"/>
-              <a:t>26.10.2023</a:t>
+              <a:t>27.10.2023</a:t>
             </a:fld>
             <a:endParaRPr lang="da-DK"/>
           </a:p>
@@ -2091,7 +2096,7 @@
           <a:p>
             <a:fld id="{CC055918-652B-574A-8F65-A77BE4C837AD}" type="datetimeFigureOut">
               <a:rPr lang="da-DK" smtClean="0"/>
-              <a:t>26.10.2023</a:t>
+              <a:t>27.10.2023</a:t>
             </a:fld>
             <a:endParaRPr lang="da-DK"/>
           </a:p>
@@ -2348,7 +2353,7 @@
           <a:p>
             <a:fld id="{CC055918-652B-574A-8F65-A77BE4C837AD}" type="datetimeFigureOut">
               <a:rPr lang="da-DK" smtClean="0"/>
-              <a:t>26.10.2023</a:t>
+              <a:t>27.10.2023</a:t>
             </a:fld>
             <a:endParaRPr lang="da-DK"/>
           </a:p>
@@ -2561,7 +2566,7 @@
           <a:p>
             <a:fld id="{CC055918-652B-574A-8F65-A77BE4C837AD}" type="datetimeFigureOut">
               <a:rPr lang="da-DK" smtClean="0"/>
-              <a:t>26.10.2023</a:t>
+              <a:t>27.10.2023</a:t>
             </a:fld>
             <a:endParaRPr lang="da-DK"/>
           </a:p>
@@ -3411,7 +3416,7 @@
         <p:spPr>
           <a:xfrm>
             <a:off x="4978401" y="9617075"/>
-            <a:ext cx="543739" cy="523220"/>
+            <a:ext cx="564578" cy="523220"/>
           </a:xfrm>
           <a:prstGeom prst="rect">
             <a:avLst/>
@@ -3429,7 +3434,7 @@
                 <a:latin typeface="Times New Roman" panose="02020603050405020304" pitchFamily="18" charset="0"/>
                 <a:cs typeface="Times New Roman" panose="02020603050405020304" pitchFamily="18" charset="0"/>
               </a:rPr>
-              <a:t>3a</a:t>
+              <a:t>3b</a:t>
             </a:r>
           </a:p>
         </p:txBody>

--- a/Writing/Thesis_Figures/Select_SS_compositions.pptx
+++ b/Writing/Thesis_Figures/Select_SS_compositions.pptx
@@ -243,7 +243,7 @@
           <a:p>
             <a:fld id="{CC055918-652B-574A-8F65-A77BE4C837AD}" type="datetimeFigureOut">
               <a:rPr lang="da-DK" smtClean="0"/>
-              <a:t>27.10.2023</a:t>
+              <a:t>29.10.2023</a:t>
             </a:fld>
             <a:endParaRPr lang="da-DK"/>
           </a:p>
@@ -413,7 +413,7 @@
           <a:p>
             <a:fld id="{CC055918-652B-574A-8F65-A77BE4C837AD}" type="datetimeFigureOut">
               <a:rPr lang="da-DK" smtClean="0"/>
-              <a:t>27.10.2023</a:t>
+              <a:t>29.10.2023</a:t>
             </a:fld>
             <a:endParaRPr lang="da-DK"/>
           </a:p>
@@ -593,7 +593,7 @@
           <a:p>
             <a:fld id="{CC055918-652B-574A-8F65-A77BE4C837AD}" type="datetimeFigureOut">
               <a:rPr lang="da-DK" smtClean="0"/>
-              <a:t>27.10.2023</a:t>
+              <a:t>29.10.2023</a:t>
             </a:fld>
             <a:endParaRPr lang="da-DK"/>
           </a:p>
@@ -763,7 +763,7 @@
           <a:p>
             <a:fld id="{CC055918-652B-574A-8F65-A77BE4C837AD}" type="datetimeFigureOut">
               <a:rPr lang="da-DK" smtClean="0"/>
-              <a:t>27.10.2023</a:t>
+              <a:t>29.10.2023</a:t>
             </a:fld>
             <a:endParaRPr lang="da-DK"/>
           </a:p>
@@ -1007,7 +1007,7 @@
           <a:p>
             <a:fld id="{CC055918-652B-574A-8F65-A77BE4C837AD}" type="datetimeFigureOut">
               <a:rPr lang="da-DK" smtClean="0"/>
-              <a:t>27.10.2023</a:t>
+              <a:t>29.10.2023</a:t>
             </a:fld>
             <a:endParaRPr lang="da-DK"/>
           </a:p>
@@ -1239,7 +1239,7 @@
           <a:p>
             <a:fld id="{CC055918-652B-574A-8F65-A77BE4C837AD}" type="datetimeFigureOut">
               <a:rPr lang="da-DK" smtClean="0"/>
-              <a:t>27.10.2023</a:t>
+              <a:t>29.10.2023</a:t>
             </a:fld>
             <a:endParaRPr lang="da-DK"/>
           </a:p>
@@ -1606,7 +1606,7 @@
           <a:p>
             <a:fld id="{CC055918-652B-574A-8F65-A77BE4C837AD}" type="datetimeFigureOut">
               <a:rPr lang="da-DK" smtClean="0"/>
-              <a:t>27.10.2023</a:t>
+              <a:t>29.10.2023</a:t>
             </a:fld>
             <a:endParaRPr lang="da-DK"/>
           </a:p>
@@ -1724,7 +1724,7 @@
           <a:p>
             <a:fld id="{CC055918-652B-574A-8F65-A77BE4C837AD}" type="datetimeFigureOut">
               <a:rPr lang="da-DK" smtClean="0"/>
-              <a:t>27.10.2023</a:t>
+              <a:t>29.10.2023</a:t>
             </a:fld>
             <a:endParaRPr lang="da-DK"/>
           </a:p>
@@ -1819,7 +1819,7 @@
           <a:p>
             <a:fld id="{CC055918-652B-574A-8F65-A77BE4C837AD}" type="datetimeFigureOut">
               <a:rPr lang="da-DK" smtClean="0"/>
-              <a:t>27.10.2023</a:t>
+              <a:t>29.10.2023</a:t>
             </a:fld>
             <a:endParaRPr lang="da-DK"/>
           </a:p>
@@ -2096,7 +2096,7 @@
           <a:p>
             <a:fld id="{CC055918-652B-574A-8F65-A77BE4C837AD}" type="datetimeFigureOut">
               <a:rPr lang="da-DK" smtClean="0"/>
-              <a:t>27.10.2023</a:t>
+              <a:t>29.10.2023</a:t>
             </a:fld>
             <a:endParaRPr lang="da-DK"/>
           </a:p>
@@ -2353,7 +2353,7 @@
           <a:p>
             <a:fld id="{CC055918-652B-574A-8F65-A77BE4C837AD}" type="datetimeFigureOut">
               <a:rPr lang="da-DK" smtClean="0"/>
-              <a:t>27.10.2023</a:t>
+              <a:t>29.10.2023</a:t>
             </a:fld>
             <a:endParaRPr lang="da-DK"/>
           </a:p>
@@ -2566,7 +2566,7 @@
           <a:p>
             <a:fld id="{CC055918-652B-574A-8F65-A77BE4C837AD}" type="datetimeFigureOut">
               <a:rPr lang="da-DK" smtClean="0"/>
-              <a:t>27.10.2023</a:t>
+              <a:t>29.10.2023</a:t>
             </a:fld>
             <a:endParaRPr lang="da-DK"/>
           </a:p>
@@ -2973,7 +2973,7 @@
       </p:grpSpPr>
       <p:pic>
         <p:nvPicPr>
-          <p:cNvPr id="5" name="Picture 4" descr="A graph of a graph of a periodic table&#10;&#10;Description automatically generated with medium confidence">
+          <p:cNvPr id="5" name="Picture 4">
             <a:extLst>
               <a:ext uri="{FF2B5EF4-FFF2-40B4-BE49-F238E27FC236}">
                 <a16:creationId xmlns:a16="http://schemas.microsoft.com/office/drawing/2014/main" id="{76F32BAF-F8D9-4B3D-7EBA-E96DD249DA6B}"/>
@@ -2987,9 +2987,8 @@
         </p:nvPicPr>
         <p:blipFill>
           <a:blip r:embed="rId2"/>
-          <a:stretch>
-            <a:fillRect/>
-          </a:stretch>
+          <a:srcRect/>
+          <a:stretch/>
         </p:blipFill>
         <p:spPr>
           <a:xfrm>
@@ -3063,7 +3062,7 @@
       </p:pic>
       <p:pic>
         <p:nvPicPr>
-          <p:cNvPr id="11" name="Picture 10" descr="A graph of a graph of a periodic table&#10;&#10;Description automatically generated with medium confidence">
+          <p:cNvPr id="11" name="Picture 10">
             <a:extLst>
               <a:ext uri="{FF2B5EF4-FFF2-40B4-BE49-F238E27FC236}">
                 <a16:creationId xmlns:a16="http://schemas.microsoft.com/office/drawing/2014/main" id="{114571E5-9E8F-2B59-CFC3-C60E6CD0375A}"/>
@@ -3077,9 +3076,8 @@
         </p:nvPicPr>
         <p:blipFill>
           <a:blip r:embed="rId5"/>
-          <a:stretch>
-            <a:fillRect/>
-          </a:stretch>
+          <a:srcRect/>
+          <a:stretch/>
         </p:blipFill>
         <p:spPr>
           <a:xfrm>
@@ -3093,7 +3091,7 @@
       </p:pic>
       <p:pic>
         <p:nvPicPr>
-          <p:cNvPr id="13" name="Picture 12" descr="A graph of a graph&#10;&#10;Description automatically generated with medium confidence">
+          <p:cNvPr id="13" name="Picture 12">
             <a:extLst>
               <a:ext uri="{FF2B5EF4-FFF2-40B4-BE49-F238E27FC236}">
                 <a16:creationId xmlns:a16="http://schemas.microsoft.com/office/drawing/2014/main" id="{0DFC2068-9A2A-94B0-2C0A-9A76AC4E86BB}"/>
@@ -3107,9 +3105,8 @@
         </p:nvPicPr>
         <p:blipFill>
           <a:blip r:embed="rId6"/>
-          <a:stretch>
-            <a:fillRect/>
-          </a:stretch>
+          <a:srcRect/>
+          <a:stretch/>
         </p:blipFill>
         <p:spPr>
           <a:xfrm>
@@ -3183,7 +3180,7 @@
       </p:pic>
       <p:pic>
         <p:nvPicPr>
-          <p:cNvPr id="19" name="Picture 18" descr="A graph of an element&#10;&#10;Description automatically generated with medium confidence">
+          <p:cNvPr id="19" name="Picture 18">
             <a:extLst>
               <a:ext uri="{FF2B5EF4-FFF2-40B4-BE49-F238E27FC236}">
                 <a16:creationId xmlns:a16="http://schemas.microsoft.com/office/drawing/2014/main" id="{08ABBF7B-B65F-A333-731F-3D2D4CE35A50}"/>
@@ -3197,9 +3194,8 @@
         </p:nvPicPr>
         <p:blipFill>
           <a:blip r:embed="rId9"/>
-          <a:stretch>
-            <a:fillRect/>
-          </a:stretch>
+          <a:srcRect/>
+          <a:stretch/>
         </p:blipFill>
         <p:spPr>
           <a:xfrm>
